--- a/slides/sorting-intro-f21.pptx
+++ b/slides/sorting-intro-f21.pptx
@@ -5810,7 +5810,7 @@
           <a:graphicData uri="http://schemas.openxmlformats.org/presentationml/2006/ole">
             <mc:AlternateContent xmlns:mc="http://schemas.openxmlformats.org/markup-compatibility/2006">
               <mc:Choice xmlns:v="urn:schemas-microsoft-com:vml" Requires="v">
-                <p:oleObj spid="_x0000_s6193" name="Equation" r:id="rId5" imgW="2286000" imgH="482600" progId="Equation.3">
+                <p:oleObj spid="_x0000_s6213" name="Equation" r:id="rId5" imgW="2286000" imgH="482600" progId="Equation.3">
                   <p:embed/>
                 </p:oleObj>
               </mc:Choice>
@@ -5893,7 +5893,7 @@
           <a:graphicData uri="http://schemas.openxmlformats.org/presentationml/2006/ole">
             <mc:AlternateContent xmlns:mc="http://schemas.openxmlformats.org/markup-compatibility/2006">
               <mc:Choice xmlns:v="urn:schemas-microsoft-com:vml" Requires="v">
-                <p:oleObj spid="_x0000_s6194" name="Equation" r:id="rId7" imgW="1663700" imgH="457200" progId="Equation.3">
+                <p:oleObj spid="_x0000_s6214" name="Equation" r:id="rId7" imgW="1663700" imgH="457200" progId="Equation.3">
                   <p:embed/>
                 </p:oleObj>
               </mc:Choice>
@@ -5976,7 +5976,7 @@
           <a:graphicData uri="http://schemas.openxmlformats.org/presentationml/2006/ole">
             <mc:AlternateContent xmlns:mc="http://schemas.openxmlformats.org/markup-compatibility/2006">
               <mc:Choice xmlns:v="urn:schemas-microsoft-com:vml" Requires="v">
-                <p:oleObj spid="_x0000_s6195" name="Equation" r:id="rId9" imgW="1130300" imgH="482600" progId="Equation.3">
+                <p:oleObj spid="_x0000_s6215" name="Equation" r:id="rId9" imgW="1130300" imgH="482600" progId="Equation.3">
                   <p:embed/>
                 </p:oleObj>
               </mc:Choice>
@@ -6089,7 +6089,7 @@
           <a:graphicData uri="http://schemas.openxmlformats.org/presentationml/2006/ole">
             <mc:AlternateContent xmlns:mc="http://schemas.openxmlformats.org/markup-compatibility/2006">
               <mc:Choice xmlns:v="urn:schemas-microsoft-com:vml" Requires="v">
-                <p:oleObj spid="_x0000_s6196" name="Equation" r:id="rId11" imgW="2819400" imgH="482600" progId="Equation.3">
+                <p:oleObj spid="_x0000_s6216" name="Equation" r:id="rId11" imgW="2819400" imgH="482600" progId="Equation.3">
                   <p:embed/>
                 </p:oleObj>
               </mc:Choice>
@@ -6362,7 +6362,7 @@
         <p:spPr/>
         <p:txBody>
           <a:bodyPr>
-            <a:normAutofit lnSpcReduction="10000"/>
+            <a:normAutofit/>
           </a:bodyPr>
           <a:lstStyle/>
           <a:p>
@@ -6530,17 +6530,6 @@
               </a:rPr>
               <a:t> </a:t>
             </a:r>
-          </a:p>
-          <a:p>
-            <a:pPr lvl="1"/>
-            <a:r>
-              <a:rPr lang="en-US" b="1" dirty="0">
-                <a:ea typeface="ＭＳ Ｐゴシック" panose="020B0600070205080204" pitchFamily="34" charset="-128"/>
-                <a:sym typeface="Symbol" pitchFamily="2" charset="2"/>
-              </a:rPr>
-              <a:t>We’ll do this proof  “live” session” in lecture!</a:t>
-            </a:r>
-            <a:endParaRPr lang="en-US" b="1" dirty="0"/>
           </a:p>
         </p:txBody>
       </p:sp>
@@ -6558,7 +6547,7 @@
 </file>
 
 <file path=ppt/slides/slide17.xml><?xml version="1.0" encoding="utf-8"?>
-<p:sld xmlns:a="http://schemas.openxmlformats.org/drawingml/2006/main" xmlns:r="http://schemas.openxmlformats.org/officeDocument/2006/relationships" xmlns:p="http://schemas.openxmlformats.org/presentationml/2006/main" show="0">
+<p:sld xmlns:a="http://schemas.openxmlformats.org/drawingml/2006/main" xmlns:r="http://schemas.openxmlformats.org/officeDocument/2006/relationships" xmlns:p="http://schemas.openxmlformats.org/presentationml/2006/main">
   <p:cSld>
     <p:spTree>
       <p:nvGrpSpPr>
@@ -6795,7 +6784,7 @@
 </file>
 
 <file path=ppt/slides/slide18.xml><?xml version="1.0" encoding="utf-8"?>
-<p:sld xmlns:a="http://schemas.openxmlformats.org/drawingml/2006/main" xmlns:r="http://schemas.openxmlformats.org/officeDocument/2006/relationships" xmlns:p="http://schemas.openxmlformats.org/presentationml/2006/main" show="0">
+<p:sld xmlns:a="http://schemas.openxmlformats.org/drawingml/2006/main" xmlns:r="http://schemas.openxmlformats.org/officeDocument/2006/relationships" xmlns:p="http://schemas.openxmlformats.org/presentationml/2006/main">
   <p:cSld>
     <p:spTree>
       <p:nvGrpSpPr>
@@ -8264,7 +8253,7 @@
         <p:spPr/>
         <p:txBody>
           <a:bodyPr>
-            <a:normAutofit fontScale="92500"/>
+            <a:normAutofit lnSpcReduction="10000"/>
           </a:bodyPr>
           <a:lstStyle/>
           <a:p>
@@ -8650,17 +8639,8 @@
               <a:rPr lang="en-US" altLang="en-US" dirty="0">
                 <a:ea typeface="ＭＳ Ｐゴシック" panose="020B0600070205080204" pitchFamily="34" charset="-128"/>
               </a:rPr>
-              <a:t> parameters?  Wait for live session!</a:t>
-            </a:r>
-          </a:p>
-          <a:p>
-            <a:pPr lvl="1">
-              <a:lnSpc>
-                <a:spcPct val="90000"/>
-              </a:lnSpc>
-              <a:buFontTx/>
-              <a:buNone/>
-            </a:pPr>
+              <a:t> parameters? </a:t>
+            </a:r>
             <a:endParaRPr lang="en-US" altLang="en-US" b="1" dirty="0">
               <a:ea typeface="ＭＳ Ｐゴシック" panose="020B0600070205080204" pitchFamily="34" charset="-128"/>
             </a:endParaRPr>
@@ -9175,13 +9155,8 @@
                 </a:r>
                 <a:r>
                   <a:rPr lang="en-US" dirty="0"/>
-                  <a:t>...why is it that </a:t>
+                  <a:t>...why is it that order class?</a:t>
                 </a:r>
-                <a:r>
-                  <a:rPr lang="en-US"/>
-                  <a:t>order class?</a:t>
-                </a:r>
-                <a:endParaRPr lang="en-US" dirty="0"/>
               </a:p>
               <a:p>
                 <a:pPr fontAlgn="base"/>
@@ -9488,7 +9463,7 @@
               <a:rPr lang="en-US" altLang="en-US" sz="2400" dirty="0">
                 <a:ea typeface="ＭＳ Ｐゴシック" panose="020B0600070205080204" pitchFamily="34" charset="-128"/>
               </a:rPr>
-              <a:t>Prove a lower-bound that shows (well, in the live session)</a:t>
+              <a:t>Prove a lower-bound that shows</a:t>
             </a:r>
           </a:p>
           <a:p>

--- a/slides/sorting-intro-f21.pptx
+++ b/slides/sorting-intro-f21.pptx
@@ -5418,7 +5418,7 @@
               <a:rPr lang="en-US" altLang="en-US" dirty="0">
                 <a:ea typeface="ＭＳ Ｐゴシック" panose="020B0600070205080204" pitchFamily="34" charset="-128"/>
               </a:rPr>
-              <a:t>A[0..j-1] are the elements originally stored in the sub-list but in sorted order</a:t>
+              <a:t>A[1..j-1] are the elements originally stored in the sub-list but in sorted order</a:t>
             </a:r>
           </a:p>
         </p:txBody>
@@ -5810,7 +5810,7 @@
           <a:graphicData uri="http://schemas.openxmlformats.org/presentationml/2006/ole">
             <mc:AlternateContent xmlns:mc="http://schemas.openxmlformats.org/markup-compatibility/2006">
               <mc:Choice xmlns:v="urn:schemas-microsoft-com:vml" Requires="v">
-                <p:oleObj spid="_x0000_s6213" name="Equation" r:id="rId5" imgW="2286000" imgH="482600" progId="Equation.3">
+                <p:oleObj spid="_x0000_s6217" name="Equation" r:id="rId5" imgW="2286000" imgH="482600" progId="Equation.3">
                   <p:embed/>
                 </p:oleObj>
               </mc:Choice>
@@ -5893,7 +5893,7 @@
           <a:graphicData uri="http://schemas.openxmlformats.org/presentationml/2006/ole">
             <mc:AlternateContent xmlns:mc="http://schemas.openxmlformats.org/markup-compatibility/2006">
               <mc:Choice xmlns:v="urn:schemas-microsoft-com:vml" Requires="v">
-                <p:oleObj spid="_x0000_s6214" name="Equation" r:id="rId7" imgW="1663700" imgH="457200" progId="Equation.3">
+                <p:oleObj spid="_x0000_s6218" name="Equation" r:id="rId7" imgW="1663700" imgH="457200" progId="Equation.3">
                   <p:embed/>
                 </p:oleObj>
               </mc:Choice>
@@ -5976,7 +5976,7 @@
           <a:graphicData uri="http://schemas.openxmlformats.org/presentationml/2006/ole">
             <mc:AlternateContent xmlns:mc="http://schemas.openxmlformats.org/markup-compatibility/2006">
               <mc:Choice xmlns:v="urn:schemas-microsoft-com:vml" Requires="v">
-                <p:oleObj spid="_x0000_s6215" name="Equation" r:id="rId9" imgW="1130300" imgH="482600" progId="Equation.3">
+                <p:oleObj spid="_x0000_s6219" name="Equation" r:id="rId9" imgW="1130300" imgH="482600" progId="Equation.3">
                   <p:embed/>
                 </p:oleObj>
               </mc:Choice>
@@ -6089,7 +6089,7 @@
           <a:graphicData uri="http://schemas.openxmlformats.org/presentationml/2006/ole">
             <mc:AlternateContent xmlns:mc="http://schemas.openxmlformats.org/markup-compatibility/2006">
               <mc:Choice xmlns:v="urn:schemas-microsoft-com:vml" Requires="v">
-                <p:oleObj spid="_x0000_s6216" name="Equation" r:id="rId11" imgW="2819400" imgH="482600" progId="Equation.3">
+                <p:oleObj spid="_x0000_s6220" name="Equation" r:id="rId11" imgW="2819400" imgH="482600" progId="Equation.3">
                   <p:embed/>
                 </p:oleObj>
               </mc:Choice>
@@ -7692,7 +7692,7 @@
                 <a:ea typeface="Tahoma" panose="020B0604030504040204" pitchFamily="34" charset="0"/>
                 <a:cs typeface="Tahoma" panose="020B0604030504040204" pitchFamily="34" charset="0"/>
               </a:rPr>
-              <a:t> on smaller problems </a:t>
+              <a:t>() on smaller problems </a:t>
             </a:r>
             <a:br>
               <a:rPr lang="en-US" sz="2400" dirty="0">
@@ -7756,7 +7756,7 @@
           <a:p>
             <a:r>
               <a:rPr lang="en-US" dirty="0"/>
-              <a:t>Note:  maybe solve all the smaller problem, or maybe just some of them.</a:t>
+              <a:t>Note:  maybe solve all the smaller problems, or maybe just some of them.</a:t>
             </a:r>
           </a:p>
           <a:p>
@@ -9004,8 +9004,8 @@
           </a:p>
         </p:txBody>
       </p:sp>
-      <mc:AlternateContent xmlns:mc="http://schemas.openxmlformats.org/markup-compatibility/2006">
-        <mc:Choice xmlns:a14="http://schemas.microsoft.com/office/drawing/2010/main" Requires="a14">
+      <mc:AlternateContent xmlns:mc="http://schemas.openxmlformats.org/markup-compatibility/2006" xmlns:a14="http://schemas.microsoft.com/office/drawing/2010/main">
+        <mc:Choice Requires="a14">
           <p:sp>
             <p:nvSpPr>
               <p:cNvPr id="4" name="Content Placeholder 3">
@@ -9182,7 +9182,7 @@
             </p:txBody>
           </p:sp>
         </mc:Choice>
-        <mc:Fallback>
+        <mc:Fallback xmlns="">
           <p:sp>
             <p:nvSpPr>
               <p:cNvPr id="4" name="Content Placeholder 3">
